--- a/Final Project Presentation.pptx
+++ b/Final Project Presentation.pptx
@@ -107,6 +107,11 @@
       </a:defRPr>
     </a:lvl9pPr>
   </p:defaultTextStyle>
+  <p:extLst>
+    <p:ext uri="{EFAFB233-063F-42B5-8137-9DF3F51BA10A}">
+      <p15:sldGuideLst xmlns:p15="http://schemas.microsoft.com/office/powerpoint/2012/main"/>
+    </p:ext>
+  </p:extLst>
 </p:presentation>
 </file>
 
@@ -123,12 +128,12 @@
   <pc:docChgLst>
     <pc:chgData name="Issac Thomas" userId="52642c48ef0ba92c" providerId="LiveId" clId="{5D9CAEC0-8D2B-4F2F-ACBE-2CCE36DA17D3}"/>
     <pc:docChg chg="undo custSel modSld modMainMaster">
-      <pc:chgData name="Issac Thomas" userId="52642c48ef0ba92c" providerId="LiveId" clId="{5D9CAEC0-8D2B-4F2F-ACBE-2CCE36DA17D3}" dt="2024-12-08T00:35:48.268" v="2194" actId="20577"/>
+      <pc:chgData name="Issac Thomas" userId="52642c48ef0ba92c" providerId="LiveId" clId="{5D9CAEC0-8D2B-4F2F-ACBE-2CCE36DA17D3}" dt="2024-12-08T01:03:05.703" v="2243" actId="20577"/>
       <pc:docMkLst>
         <pc:docMk/>
       </pc:docMkLst>
       <pc:sldMasterChg chg="addSldLayout modSldLayout sldLayoutOrd">
-        <pc:chgData name="Issac Thomas" userId="52642c48ef0ba92c" providerId="LiveId" clId="{5D9CAEC0-8D2B-4F2F-ACBE-2CCE36DA17D3}" dt="2024-12-08T00:35:48.268" v="2194" actId="20577"/>
+        <pc:chgData name="Issac Thomas" userId="52642c48ef0ba92c" providerId="LiveId" clId="{5D9CAEC0-8D2B-4F2F-ACBE-2CCE36DA17D3}" dt="2024-12-08T01:03:05.703" v="2243" actId="20577"/>
         <pc:sldMasterMkLst>
           <pc:docMk/>
           <pc:sldMasterMk cId="1593702394" sldId="2147483701"/>
@@ -185,8 +190,8 @@
             </ac:spMkLst>
           </pc:spChg>
         </pc:sldLayoutChg>
-        <pc:sldLayoutChg chg="modSp mod">
-          <pc:chgData name="Issac Thomas" userId="52642c48ef0ba92c" providerId="LiveId" clId="{5D9CAEC0-8D2B-4F2F-ACBE-2CCE36DA17D3}" dt="2024-12-08T00:35:19.232" v="2188" actId="1076"/>
+        <pc:sldLayoutChg chg="addSp modSp mod">
+          <pc:chgData name="Issac Thomas" userId="52642c48ef0ba92c" providerId="LiveId" clId="{5D9CAEC0-8D2B-4F2F-ACBE-2CCE36DA17D3}" dt="2024-12-08T01:03:05.703" v="2243" actId="20577"/>
           <pc:sldLayoutMkLst>
             <pc:docMk/>
             <pc:sldMasterMk cId="1593702394" sldId="2147483701"/>
@@ -208,6 +213,15 @@
               <pc:sldMasterMk cId="1593702394" sldId="2147483701"/>
               <pc:sldLayoutMk cId="1331097592" sldId="2147483704"/>
               <ac:spMk id="3" creationId="{00000000-0000-0000-0000-000000000000}"/>
+            </ac:spMkLst>
+          </pc:spChg>
+          <pc:spChg chg="add mod">
+            <ac:chgData name="Issac Thomas" userId="52642c48ef0ba92c" providerId="LiveId" clId="{5D9CAEC0-8D2B-4F2F-ACBE-2CCE36DA17D3}" dt="2024-12-08T01:03:05.703" v="2243" actId="20577"/>
+            <ac:spMkLst>
+              <pc:docMk/>
+              <pc:sldMasterMk cId="1593702394" sldId="2147483701"/>
+              <pc:sldLayoutMk cId="1331097592" sldId="2147483704"/>
+              <ac:spMk id="8" creationId="{C1159119-F824-9771-4984-D38D98E9FC91}"/>
             </ac:spMkLst>
           </pc:spChg>
         </pc:sldLayoutChg>
@@ -585,7 +599,7 @@
           <a:p>
             <a:fld id="{462ED08E-1188-40DF-B55F-286626B7FB63}" type="datetimeFigureOut">
               <a:rPr lang="en-US" smtClean="0"/>
-              <a:t>12/6/2024</a:t>
+              <a:t>12/7/2024</a:t>
             </a:fld>
             <a:endParaRPr lang="en-US"/>
           </a:p>
@@ -1329,7 +1343,7 @@
           <a:p>
             <a:fld id="{CCAF6590-8BD6-4FFF-BADF-7F32C68415B3}" type="datetime1">
               <a:rPr lang="en-US" smtClean="0"/>
-              <a:t>12/6/2024</a:t>
+              <a:t>12/7/2024</a:t>
             </a:fld>
             <a:endParaRPr lang="en-US"/>
           </a:p>
@@ -1552,7 +1566,7 @@
           <a:p>
             <a:fld id="{C775D863-70CE-4A66-A236-3D51B9BCCF56}" type="datetime1">
               <a:rPr lang="en-US" smtClean="0"/>
-              <a:t>12/6/2024</a:t>
+              <a:t>12/7/2024</a:t>
             </a:fld>
             <a:endParaRPr lang="en-US"/>
           </a:p>
@@ -2968,7 +2982,7 @@
           <a:p>
             <a:fld id="{377A22C8-4094-4FAB-9F27-5396BC80E3EE}" type="datetime1">
               <a:rPr lang="en-US" smtClean="0"/>
-              <a:t>12/6/2024</a:t>
+              <a:t>12/7/2024</a:t>
             </a:fld>
             <a:endParaRPr lang="en-US"/>
           </a:p>
@@ -3285,7 +3299,7 @@
           <a:p>
             <a:fld id="{3FF67F9E-B51B-4615-AB0C-D4AFAA8B3130}" type="datetime1">
               <a:rPr lang="en-US" smtClean="0"/>
-              <a:t>12/6/2024</a:t>
+              <a:t>12/7/2024</a:t>
             </a:fld>
             <a:endParaRPr lang="en-US"/>
           </a:p>
@@ -3333,6 +3347,55 @@
               <a:t>‹#›</a:t>
             </a:fld>
             <a:endParaRPr lang="en-US"/>
+          </a:p>
+        </p:txBody>
+      </p:sp>
+      <p:sp>
+        <p:nvSpPr>
+          <p:cNvPr id="8" name="TextBox 7">
+            <a:extLst>
+              <a:ext uri="{FF2B5EF4-FFF2-40B4-BE49-F238E27FC236}">
+                <a16:creationId xmlns:a16="http://schemas.microsoft.com/office/drawing/2014/main" id="{C1159119-F824-9771-4984-D38D98E9FC91}"/>
+              </a:ext>
+            </a:extLst>
+          </p:cNvPr>
+          <p:cNvSpPr txBox="1"/>
+          <p:nvPr userDrawn="1"/>
+        </p:nvSpPr>
+        <p:spPr>
+          <a:xfrm>
+            <a:off x="2946400" y="4971534"/>
+            <a:ext cx="6096000" cy="646331"/>
+          </a:xfrm>
+          <a:prstGeom prst="rect">
+            <a:avLst/>
+          </a:prstGeom>
+          <a:noFill/>
+        </p:spPr>
+        <p:txBody>
+          <a:bodyPr wrap="square">
+            <a:spAutoFit/>
+          </a:bodyPr>
+          <a:lstStyle/>
+          <a:p>
+            <a:pPr marL="285750" indent="-285750">
+              <a:buFont typeface="Arial" panose="020B0604020202020204" pitchFamily="34" charset="0"/>
+              <a:buChar char="•"/>
+            </a:pPr>
+            <a:r>
+              <a:rPr lang="en-US" dirty="0"/>
+              <a:t>Visualization Platform</a:t>
+            </a:r>
+          </a:p>
+          <a:p>
+            <a:pPr marL="742950" lvl="1" indent="-285750">
+              <a:buFont typeface="Arial" panose="020B0604020202020204" pitchFamily="34" charset="0"/>
+              <a:buChar char="•"/>
+            </a:pPr>
+            <a:r>
+              <a:rPr lang="en-US" dirty="0"/>
+              <a:t>Visual Studio Code</a:t>
+            </a:r>
           </a:p>
         </p:txBody>
       </p:sp>
@@ -3743,7 +3806,7 @@
           <a:p>
             <a:fld id="{86B70101-348F-4967-A2A5-425C93C5D967}" type="datetime1">
               <a:rPr lang="en-US" smtClean="0"/>
-              <a:t>12/6/2024</a:t>
+              <a:t>12/7/2024</a:t>
             </a:fld>
             <a:endParaRPr lang="en-US"/>
           </a:p>
@@ -3983,7 +4046,7 @@
           <a:p>
             <a:fld id="{E63D9A2B-2773-4AB2-9BA5-84911378608A}" type="datetime1">
               <a:rPr lang="en-US" smtClean="0"/>
-              <a:t>12/6/2024</a:t>
+              <a:t>12/7/2024</a:t>
             </a:fld>
             <a:endParaRPr lang="en-US"/>
           </a:p>
@@ -4369,7 +4432,7 @@
           <a:p>
             <a:fld id="{C775D863-70CE-4A66-A236-3D51B9BCCF56}" type="datetime1">
               <a:rPr lang="en-US" smtClean="0"/>
-              <a:t>12/6/2024</a:t>
+              <a:t>12/7/2024</a:t>
             </a:fld>
             <a:endParaRPr lang="en-US"/>
           </a:p>
@@ -4498,7 +4561,7 @@
           <a:p>
             <a:fld id="{75D58BB1-4505-4580-AE7D-5E934E77AF16}" type="datetime1">
               <a:rPr lang="en-US" smtClean="0"/>
-              <a:t>12/6/2024</a:t>
+              <a:t>12/7/2024</a:t>
             </a:fld>
             <a:endParaRPr lang="en-US"/>
           </a:p>
@@ -6616,7 +6679,7 @@
           <a:p>
             <a:fld id="{C775D863-70CE-4A66-A236-3D51B9BCCF56}" type="datetime1">
               <a:rPr lang="en-US" smtClean="0"/>
-              <a:t>12/6/2024</a:t>
+              <a:t>12/7/2024</a:t>
             </a:fld>
             <a:endParaRPr lang="en-US"/>
           </a:p>
